--- a/input/template.pptx
+++ b/input/template.pptx
@@ -2049,10 +2049,16 @@
               <a:buNone/>
             </a:pPr>
             <a:r>
-              <a:rPr lang="zh-CN" altLang="en-US" sz="1200" dirty="0"/>
+              <a:rPr lang="zh-CN" altLang="en-US" dirty="0">
+                <a:latin typeface="黑体" panose="02010609060101010101" charset="-122"/>
+                <a:ea typeface="黑体" panose="02010609060101010101" charset="-122"/>
+              </a:rPr>
               <a:t>二级标题</a:t>
             </a:r>
-            <a:endParaRPr lang="zh-CN" altLang="en-US" sz="1200" dirty="0"/>
+            <a:endParaRPr lang="zh-CN" altLang="en-US" dirty="0">
+              <a:latin typeface="黑体" panose="02010609060101010101" charset="-122"/>
+              <a:ea typeface="黑体" panose="02010609060101010101" charset="-122"/>
+            </a:endParaRPr>
           </a:p>
         </p:txBody>
       </p:sp>
